--- a/Week 5/The Battle of Neighborhoods.pptx
+++ b/Week 5/The Battle of Neighborhoods.pptx
@@ -10,11 +10,12 @@
     <p:sldId id="258" r:id="rId4"/>
     <p:sldId id="259" r:id="rId5"/>
     <p:sldId id="260" r:id="rId6"/>
-    <p:sldId id="261" r:id="rId7"/>
-    <p:sldId id="262" r:id="rId8"/>
-    <p:sldId id="263" r:id="rId9"/>
-    <p:sldId id="264" r:id="rId10"/>
-    <p:sldId id="265" r:id="rId11"/>
+    <p:sldId id="266" r:id="rId7"/>
+    <p:sldId id="261" r:id="rId8"/>
+    <p:sldId id="262" r:id="rId9"/>
+    <p:sldId id="263" r:id="rId10"/>
+    <p:sldId id="264" r:id="rId11"/>
+    <p:sldId id="265" r:id="rId12"/>
   </p:sldIdLst>
   <p:sldSz cx="12192000" cy="6858000"/>
   <p:notesSz cx="6858000" cy="9144000"/>
@@ -113,6 +114,11 @@
       </a:defRPr>
     </a:lvl9pPr>
   </p:defaultTextStyle>
+  <p:extLst>
+    <p:ext uri="{EFAFB233-063F-42B5-8137-9DF3F51BA10A}">
+      <p15:sldGuideLst xmlns:p15="http://schemas.microsoft.com/office/powerpoint/2012/main"/>
+    </p:ext>
+  </p:extLst>
 </p:presentation>
 </file>
 
@@ -211,7 +217,7 @@
           <a:effectLst/>
           <a:extLst>
             <a:ext uri="{91240B29-F687-4f45-9708-019B960494DF}">
-              <a14:hiddenLine xmlns:a14="http://schemas.microsoft.com/office/drawing/2010/main" xmlns="" w="9525">
+              <a14:hiddenLine xmlns="" xmlns:a14="http://schemas.microsoft.com/office/drawing/2010/main" w="9525">
                 <a:solidFill>
                   <a:srgbClr val="000000"/>
                 </a:solidFill>
@@ -1721,7 +1727,7 @@
           <a:ln/>
           <a:extLst>
             <a:ext uri="{91240B29-F687-4f45-9708-019B960494DF}">
-              <a14:hiddenLine xmlns:a14="http://schemas.microsoft.com/office/drawing/2010/main" xmlns="" w="9525">
+              <a14:hiddenLine xmlns="" xmlns:a14="http://schemas.microsoft.com/office/drawing/2010/main" w="9525">
                 <a:solidFill>
                   <a:srgbClr val="000000"/>
                 </a:solidFill>
@@ -1993,7 +1999,7 @@
           <a:ln/>
           <a:extLst>
             <a:ext uri="{91240B29-F687-4f45-9708-019B960494DF}">
-              <a14:hiddenLine xmlns:a14="http://schemas.microsoft.com/office/drawing/2010/main" xmlns="" w="9525">
+              <a14:hiddenLine xmlns="" xmlns:a14="http://schemas.microsoft.com/office/drawing/2010/main" w="9525">
                 <a:solidFill>
                   <a:srgbClr val="000000"/>
                 </a:solidFill>
@@ -2273,7 +2279,7 @@
           <a:ln/>
           <a:extLst>
             <a:ext uri="{91240B29-F687-4f45-9708-019B960494DF}">
-              <a14:hiddenLine xmlns:a14="http://schemas.microsoft.com/office/drawing/2010/main" xmlns="" w="9525">
+              <a14:hiddenLine xmlns="" xmlns:a14="http://schemas.microsoft.com/office/drawing/2010/main" w="9525">
                 <a:solidFill>
                   <a:srgbClr val="000000"/>
                 </a:solidFill>
@@ -2893,7 +2899,7 @@
           <a:ln/>
           <a:extLst>
             <a:ext uri="{91240B29-F687-4f45-9708-019B960494DF}">
-              <a14:hiddenLine xmlns:a14="http://schemas.microsoft.com/office/drawing/2010/main" xmlns="" w="9525">
+              <a14:hiddenLine xmlns="" xmlns:a14="http://schemas.microsoft.com/office/drawing/2010/main" w="9525">
                 <a:solidFill>
                   <a:srgbClr val="000000"/>
                 </a:solidFill>
@@ -3229,7 +3235,7 @@
           <a:ln/>
           <a:extLst>
             <a:ext uri="{91240B29-F687-4f45-9708-019B960494DF}">
-              <a14:hiddenLine xmlns:a14="http://schemas.microsoft.com/office/drawing/2010/main" xmlns="" w="9525">
+              <a14:hiddenLine xmlns="" xmlns:a14="http://schemas.microsoft.com/office/drawing/2010/main" w="9525">
                 <a:solidFill>
                   <a:srgbClr val="000000"/>
                 </a:solidFill>
@@ -3703,7 +3709,7 @@
           <a:ln/>
           <a:extLst>
             <a:ext uri="{91240B29-F687-4f45-9708-019B960494DF}">
-              <a14:hiddenLine xmlns:a14="http://schemas.microsoft.com/office/drawing/2010/main" xmlns="" w="9525">
+              <a14:hiddenLine xmlns="" xmlns:a14="http://schemas.microsoft.com/office/drawing/2010/main" w="9525">
                 <a:solidFill>
                   <a:srgbClr val="000000"/>
                 </a:solidFill>
@@ -4126,7 +4132,7 @@
           <a:ln/>
           <a:extLst>
             <a:ext uri="{91240B29-F687-4f45-9708-019B960494DF}">
-              <a14:hiddenLine xmlns:a14="http://schemas.microsoft.com/office/drawing/2010/main" xmlns="" w="9525">
+              <a14:hiddenLine xmlns="" xmlns:a14="http://schemas.microsoft.com/office/drawing/2010/main" w="9525">
                 <a:solidFill>
                   <a:srgbClr val="000000"/>
                 </a:solidFill>
@@ -5421,6 +5427,370 @@
 <file path=ppt/slides/slide10.xml><?xml version="1.0" encoding="utf-8"?>
 <p:sld xmlns:a="http://schemas.openxmlformats.org/drawingml/2006/main" xmlns:r="http://schemas.openxmlformats.org/officeDocument/2006/relationships" xmlns:p="http://schemas.openxmlformats.org/presentationml/2006/main">
   <p:cSld>
+    <p:bg>
+      <p:bgPr>
+        <a:solidFill>
+          <a:schemeClr val="bg2"/>
+        </a:solidFill>
+        <a:effectLst/>
+      </p:bgPr>
+    </p:bg>
+    <p:spTree>
+      <p:nvGrpSpPr>
+        <p:cNvPr id="1" name=""/>
+        <p:cNvGrpSpPr/>
+        <p:nvPr/>
+      </p:nvGrpSpPr>
+      <p:grpSpPr>
+        <a:xfrm>
+          <a:off x="0" y="0"/>
+          <a:ext cx="0" cy="0"/>
+          <a:chOff x="0" y="0"/>
+          <a:chExt cx="0" cy="0"/>
+        </a:xfrm>
+      </p:grpSpPr>
+      <p:sp>
+        <p:nvSpPr>
+          <p:cNvPr id="9" name="Freeform 6">
+            <a:extLst>
+              <a:ext uri="{FF2B5EF4-FFF2-40B4-BE49-F238E27FC236}">
+                <a16:creationId xmlns:a16="http://schemas.microsoft.com/office/drawing/2014/main" id="{DAD47858-7A44-47E5-AC94-E528B41D13BB}"/>
+              </a:ext>
+              <a:ext uri="{C183D7F6-B498-43B3-948B-1728B52AA6E4}">
+                <adec:decorative xmlns:adec="http://schemas.microsoft.com/office/drawing/2017/decorative" val="1"/>
+              </a:ext>
+            </a:extLst>
+          </p:cNvPr>
+          <p:cNvSpPr>
+            <a:spLocks noGrp="1" noRot="1" noChangeAspect="1" noMove="1" noResize="1" noEditPoints="1" noAdjustHandles="1" noChangeArrowheads="1" noChangeShapeType="1" noTextEdit="1"/>
+          </p:cNvSpPr>
+          <p:nvPr>
+            <p:extLst>
+              <p:ext uri="{386F3935-93C4-4BCD-93E2-E3B085C9AB24}">
+                <p16:designElem xmlns:p16="http://schemas.microsoft.com/office/powerpoint/2015/main" val="1"/>
+              </p:ext>
+            </p:extLst>
+          </p:nvPr>
+        </p:nvSpPr>
+        <p:spPr bwMode="auto">
+          <a:xfrm>
+            <a:off x="0" y="-3175"/>
+            <a:ext cx="12192000" cy="5203825"/>
+          </a:xfrm>
+          <a:custGeom>
+            <a:avLst/>
+            <a:gdLst/>
+            <a:ahLst/>
+            <a:cxnLst/>
+            <a:rect l="0" t="0" r="r" b="b"/>
+            <a:pathLst>
+              <a:path w="5760" h="3278">
+                <a:moveTo>
+                  <a:pt x="5760" y="0"/>
+                </a:moveTo>
+                <a:lnTo>
+                  <a:pt x="0" y="0"/>
+                </a:lnTo>
+                <a:lnTo>
+                  <a:pt x="0" y="3090"/>
+                </a:lnTo>
+                <a:lnTo>
+                  <a:pt x="943" y="3090"/>
+                </a:lnTo>
+                <a:lnTo>
+                  <a:pt x="1123" y="3270"/>
+                </a:lnTo>
+                <a:lnTo>
+                  <a:pt x="1123" y="3270"/>
+                </a:lnTo>
+                <a:lnTo>
+                  <a:pt x="1127" y="3272"/>
+                </a:lnTo>
+                <a:lnTo>
+                  <a:pt x="1133" y="3275"/>
+                </a:lnTo>
+                <a:lnTo>
+                  <a:pt x="1139" y="3278"/>
+                </a:lnTo>
+                <a:lnTo>
+                  <a:pt x="1144" y="3278"/>
+                </a:lnTo>
+                <a:lnTo>
+                  <a:pt x="1150" y="3278"/>
+                </a:lnTo>
+                <a:lnTo>
+                  <a:pt x="1155" y="3275"/>
+                </a:lnTo>
+                <a:lnTo>
+                  <a:pt x="1161" y="3272"/>
+                </a:lnTo>
+                <a:lnTo>
+                  <a:pt x="1165" y="3270"/>
+                </a:lnTo>
+                <a:lnTo>
+                  <a:pt x="1345" y="3090"/>
+                </a:lnTo>
+                <a:lnTo>
+                  <a:pt x="5760" y="3090"/>
+                </a:lnTo>
+                <a:lnTo>
+                  <a:pt x="5760" y="0"/>
+                </a:lnTo>
+                <a:close/>
+              </a:path>
+            </a:pathLst>
+          </a:custGeom>
+          <a:ln/>
+          <a:effectLst/>
+          <a:extLst>
+            <a:ext uri="{91240B29-F687-4f45-9708-019B960494DF}">
+              <a14:hiddenLine xmlns:a14="http://schemas.microsoft.com/office/drawing/2010/main" xmlns:p14="http://schemas.microsoft.com/office/powerpoint/2010/main" xmlns:a16="http://schemas.microsoft.com/office/drawing/2014/main" xmlns="" w="9525">
+                <a:solidFill>
+                  <a:srgbClr val="000000"/>
+                </a:solidFill>
+                <a:round/>
+                <a:headEnd/>
+                <a:tailEnd/>
+              </a14:hiddenLine>
+            </a:ext>
+          </a:extLst>
+        </p:spPr>
+        <p:style>
+          <a:lnRef idx="1">
+            <a:schemeClr val="accent1"/>
+          </a:lnRef>
+          <a:fillRef idx="3">
+            <a:schemeClr val="accent1"/>
+          </a:fillRef>
+          <a:effectRef idx="2">
+            <a:schemeClr val="accent1"/>
+          </a:effectRef>
+          <a:fontRef idx="minor">
+            <a:schemeClr val="lt1"/>
+          </a:fontRef>
+        </p:style>
+      </p:sp>
+      <p:sp>
+        <p:nvSpPr>
+          <p:cNvPr id="2" name="Title 1">
+            <a:extLst>
+              <a:ext uri="{FF2B5EF4-FFF2-40B4-BE49-F238E27FC236}">
+                <a16:creationId xmlns:a16="http://schemas.microsoft.com/office/drawing/2014/main" id="{07EAA33D-F136-448F-A45F-90B259AC1073}"/>
+              </a:ext>
+            </a:extLst>
+          </p:cNvPr>
+          <p:cNvSpPr>
+            <a:spLocks noGrp="1"/>
+          </p:cNvSpPr>
+          <p:nvPr>
+            <p:ph type="title"/>
+          </p:nvPr>
+        </p:nvSpPr>
+        <p:spPr>
+          <a:xfrm>
+            <a:off x="810002" y="639097"/>
+            <a:ext cx="4961534" cy="3781101"/>
+          </a:xfrm>
+        </p:spPr>
+        <p:txBody>
+          <a:bodyPr vert="horz" lIns="91440" tIns="45720" rIns="91440" bIns="45720" rtlCol="0" anchor="b">
+            <a:normAutofit/>
+          </a:bodyPr>
+          <a:lstStyle/>
+          <a:p>
+            <a:pPr>
+              <a:lnSpc>
+                <a:spcPct val="90000"/>
+              </a:lnSpc>
+            </a:pPr>
+            <a:r>
+              <a:rPr lang="en-US" sz="5000"/>
+              <a:t>3. School Ratings by Clusters in Scarborough</a:t>
+            </a:r>
+            <a:br>
+              <a:rPr lang="en-US" sz="5000"/>
+            </a:br>
+            <a:endParaRPr lang="en-US" sz="5000"/>
+          </a:p>
+        </p:txBody>
+      </p:sp>
+      <p:sp>
+        <p:nvSpPr>
+          <p:cNvPr id="11" name="Rectangle 10">
+            <a:extLst>
+              <a:ext uri="{FF2B5EF4-FFF2-40B4-BE49-F238E27FC236}">
+                <a16:creationId xmlns:a16="http://schemas.microsoft.com/office/drawing/2014/main" id="{70356939-E85F-4AD3-B574-8F8C91A4D1DB}"/>
+              </a:ext>
+              <a:ext uri="{C183D7F6-B498-43B3-948B-1728B52AA6E4}">
+                <adec:decorative xmlns:adec="http://schemas.microsoft.com/office/drawing/2017/decorative" val="1"/>
+              </a:ext>
+            </a:extLst>
+          </p:cNvPr>
+          <p:cNvSpPr>
+            <a:spLocks noGrp="1" noRot="1" noChangeAspect="1" noMove="1" noResize="1" noEditPoints="1" noAdjustHandles="1" noChangeArrowheads="1" noChangeShapeType="1" noTextEdit="1"/>
+          </p:cNvSpPr>
+          <p:nvPr>
+            <p:extLst>
+              <p:ext uri="{386F3935-93C4-4BCD-93E2-E3B085C9AB24}">
+                <p16:designElem xmlns:p16="http://schemas.microsoft.com/office/powerpoint/2015/main" val="1"/>
+              </p:ext>
+            </p:extLst>
+          </p:nvPr>
+        </p:nvSpPr>
+        <p:spPr>
+          <a:xfrm>
+            <a:off x="6100916" y="0"/>
+            <a:ext cx="6091084" cy="6858000"/>
+          </a:xfrm>
+          <a:prstGeom prst="rect">
+            <a:avLst/>
+          </a:prstGeom>
+          <a:solidFill>
+            <a:schemeClr val="tx1"/>
+          </a:solidFill>
+          <a:ln>
+            <a:noFill/>
+          </a:ln>
+        </p:spPr>
+        <p:style>
+          <a:lnRef idx="2">
+            <a:schemeClr val="accent1">
+              <a:shade val="50000"/>
+            </a:schemeClr>
+          </a:lnRef>
+          <a:fillRef idx="1">
+            <a:schemeClr val="accent1"/>
+          </a:fillRef>
+          <a:effectRef idx="0">
+            <a:schemeClr val="accent1"/>
+          </a:effectRef>
+          <a:fontRef idx="minor">
+            <a:schemeClr val="lt1"/>
+          </a:fontRef>
+        </p:style>
+        <p:txBody>
+          <a:bodyPr rtlCol="0" anchor="ctr"/>
+          <a:lstStyle/>
+          <a:p>
+            <a:pPr algn="ctr"/>
+            <a:endParaRPr lang="en-US"/>
+          </a:p>
+        </p:txBody>
+      </p:sp>
+      <p:sp>
+        <p:nvSpPr>
+          <p:cNvPr id="13" name="Rounded Rectangle 14">
+            <a:extLst>
+              <a:ext uri="{FF2B5EF4-FFF2-40B4-BE49-F238E27FC236}">
+                <a16:creationId xmlns:a16="http://schemas.microsoft.com/office/drawing/2014/main" id="{A374A477-3F18-4367-9F4F-41EF328040F6}"/>
+              </a:ext>
+              <a:ext uri="{C183D7F6-B498-43B3-948B-1728B52AA6E4}">
+                <adec:decorative xmlns:adec="http://schemas.microsoft.com/office/drawing/2017/decorative" val="1"/>
+              </a:ext>
+            </a:extLst>
+          </p:cNvPr>
+          <p:cNvSpPr>
+            <a:spLocks noGrp="1" noRot="1" noChangeAspect="1" noMove="1" noResize="1" noEditPoints="1" noAdjustHandles="1" noChangeArrowheads="1" noChangeShapeType="1" noTextEdit="1"/>
+          </p:cNvSpPr>
+          <p:nvPr>
+            <p:extLst>
+              <p:ext uri="{386F3935-93C4-4BCD-93E2-E3B085C9AB24}">
+                <p16:designElem xmlns:p16="http://schemas.microsoft.com/office/powerpoint/2015/main" val="1"/>
+              </p:ext>
+            </p:extLst>
+          </p:nvPr>
+        </p:nvSpPr>
+        <p:spPr>
+          <a:xfrm>
+            <a:off x="6756326" y="958640"/>
+            <a:ext cx="4792210" cy="4945244"/>
+          </a:xfrm>
+          <a:prstGeom prst="roundRect">
+            <a:avLst>
+              <a:gd name="adj" fmla="val 3513"/>
+            </a:avLst>
+          </a:prstGeom>
+          <a:solidFill>
+            <a:schemeClr val="tx1"/>
+          </a:solidFill>
+          <a:ln>
+            <a:solidFill>
+              <a:schemeClr val="accent1"/>
+            </a:solidFill>
+          </a:ln>
+          <a:effectLst/>
+        </p:spPr>
+        <p:style>
+          <a:lnRef idx="2">
+            <a:schemeClr val="accent1">
+              <a:shade val="50000"/>
+            </a:schemeClr>
+          </a:lnRef>
+          <a:fillRef idx="1">
+            <a:schemeClr val="accent1"/>
+          </a:fillRef>
+          <a:effectRef idx="0">
+            <a:schemeClr val="accent1"/>
+          </a:effectRef>
+          <a:fontRef idx="minor">
+            <a:schemeClr val="lt1"/>
+          </a:fontRef>
+        </p:style>
+        <p:txBody>
+          <a:bodyPr rtlCol="0" anchor="ctr"/>
+          <a:lstStyle/>
+          <a:p>
+            <a:pPr algn="ctr"/>
+            <a:endParaRPr lang="en-US"/>
+          </a:p>
+        </p:txBody>
+      </p:sp>
+      <p:pic>
+        <p:nvPicPr>
+          <p:cNvPr id="4" name="Picture 3">
+            <a:extLst>
+              <a:ext uri="{FF2B5EF4-FFF2-40B4-BE49-F238E27FC236}">
+                <a16:creationId xmlns:a16="http://schemas.microsoft.com/office/drawing/2014/main" id="{DE8C6540-02F7-45A1-8405-7A9A8CB76CFD}"/>
+              </a:ext>
+            </a:extLst>
+          </p:cNvPr>
+          <p:cNvPicPr>
+            <a:picLocks noChangeAspect="1"/>
+          </p:cNvPicPr>
+          <p:nvPr/>
+        </p:nvPicPr>
+        <p:blipFill>
+          <a:blip r:embed="rId2"/>
+          <a:stretch>
+            <a:fillRect/>
+          </a:stretch>
+        </p:blipFill>
+        <p:spPr>
+          <a:xfrm>
+            <a:off x="6091085" y="4524"/>
+            <a:ext cx="6091084" cy="6769500"/>
+          </a:xfrm>
+          <a:prstGeom prst="rect">
+            <a:avLst/>
+          </a:prstGeom>
+        </p:spPr>
+      </p:pic>
+    </p:spTree>
+    <p:extLst>
+      <p:ext uri="{BB962C8B-B14F-4D97-AF65-F5344CB8AC3E}">
+        <p14:creationId xmlns:p14="http://schemas.microsoft.com/office/powerpoint/2010/main" val="502208148"/>
+      </p:ext>
+    </p:extLst>
+  </p:cSld>
+  <p:clrMapOvr>
+    <a:masterClrMapping/>
+  </p:clrMapOvr>
+</p:sld>
+</file>
+
+<file path=ppt/slides/slide11.xml><?xml version="1.0" encoding="utf-8"?>
+<p:sld xmlns:a="http://schemas.openxmlformats.org/drawingml/2006/main" xmlns:r="http://schemas.openxmlformats.org/officeDocument/2006/relationships" xmlns:p="http://schemas.openxmlformats.org/presentationml/2006/main">
+  <p:cSld>
     <p:spTree>
       <p:nvGrpSpPr>
         <p:cNvPr id="1" name=""/>
@@ -5887,6 +6257,14 @@
 <file path=ppt/slides/slide5.xml><?xml version="1.0" encoding="utf-8"?>
 <p:sld xmlns:a="http://schemas.openxmlformats.org/drawingml/2006/main" xmlns:r="http://schemas.openxmlformats.org/officeDocument/2006/relationships" xmlns:p="http://schemas.openxmlformats.org/presentationml/2006/main">
   <p:cSld>
+    <p:bg>
+      <p:bgPr>
+        <a:solidFill>
+          <a:schemeClr val="bg2"/>
+        </a:solidFill>
+        <a:effectLst/>
+      </p:bgPr>
+    </p:bg>
     <p:spTree>
       <p:nvGrpSpPr>
         <p:cNvPr id="1" name=""/>
@@ -5903,6 +6281,268 @@
       </p:grpSpPr>
       <p:sp>
         <p:nvSpPr>
+          <p:cNvPr id="18" name="Rectangle 17">
+            <a:extLst>
+              <a:ext uri="{FF2B5EF4-FFF2-40B4-BE49-F238E27FC236}">
+                <a16:creationId xmlns:a16="http://schemas.microsoft.com/office/drawing/2014/main" id="{B60D0427-02A1-4FCC-A96A-C32F7D542048}"/>
+              </a:ext>
+              <a:ext uri="{C183D7F6-B498-43B3-948B-1728B52AA6E4}">
+                <adec:decorative xmlns:adec="http://schemas.microsoft.com/office/drawing/2017/decorative" val="1"/>
+              </a:ext>
+            </a:extLst>
+          </p:cNvPr>
+          <p:cNvSpPr>
+            <a:spLocks noGrp="1" noRot="1" noChangeAspect="1" noMove="1" noResize="1" noEditPoints="1" noAdjustHandles="1" noChangeArrowheads="1" noChangeShapeType="1" noTextEdit="1"/>
+          </p:cNvSpPr>
+          <p:nvPr>
+            <p:extLst>
+              <p:ext uri="{386F3935-93C4-4BCD-93E2-E3B085C9AB24}">
+                <p16:designElem xmlns:p16="http://schemas.microsoft.com/office/powerpoint/2015/main" val="1"/>
+              </p:ext>
+            </p:extLst>
+          </p:nvPr>
+        </p:nvSpPr>
+        <p:spPr>
+          <a:xfrm>
+            <a:off x="0" y="0"/>
+            <a:ext cx="12188952" cy="6858000"/>
+          </a:xfrm>
+          <a:prstGeom prst="rect">
+            <a:avLst/>
+          </a:prstGeom>
+          <a:solidFill>
+            <a:schemeClr val="tx1"/>
+          </a:solidFill>
+          <a:ln>
+            <a:noFill/>
+          </a:ln>
+        </p:spPr>
+        <p:style>
+          <a:lnRef idx="2">
+            <a:schemeClr val="accent1">
+              <a:shade val="50000"/>
+            </a:schemeClr>
+          </a:lnRef>
+          <a:fillRef idx="1">
+            <a:schemeClr val="accent1"/>
+          </a:fillRef>
+          <a:effectRef idx="0">
+            <a:schemeClr val="accent1"/>
+          </a:effectRef>
+          <a:fontRef idx="minor">
+            <a:schemeClr val="lt1"/>
+          </a:fontRef>
+        </p:style>
+        <p:txBody>
+          <a:bodyPr rtlCol="0" anchor="ctr"/>
+          <a:lstStyle/>
+          <a:p>
+            <a:pPr algn="ctr"/>
+            <a:endParaRPr lang="en-US"/>
+          </a:p>
+        </p:txBody>
+      </p:sp>
+      <p:sp>
+        <p:nvSpPr>
+          <p:cNvPr id="23" name="Freeform 23">
+            <a:extLst>
+              <a:ext uri="{FF2B5EF4-FFF2-40B4-BE49-F238E27FC236}">
+                <a16:creationId xmlns:a16="http://schemas.microsoft.com/office/drawing/2014/main" id="{64A01B2C-270B-4617-9CE3-8AB51AC0DA38}"/>
+              </a:ext>
+              <a:ext uri="{C183D7F6-B498-43B3-948B-1728B52AA6E4}">
+                <adec:decorative xmlns:adec="http://schemas.microsoft.com/office/drawing/2017/decorative" val="1"/>
+              </a:ext>
+            </a:extLst>
+          </p:cNvPr>
+          <p:cNvSpPr>
+            <a:spLocks noGrp="1" noRot="1" noChangeAspect="1" noMove="1" noResize="1" noEditPoints="1" noAdjustHandles="1" noChangeArrowheads="1" noChangeShapeType="1" noTextEdit="1"/>
+          </p:cNvSpPr>
+          <p:nvPr>
+            <p:extLst>
+              <p:ext uri="{386F3935-93C4-4BCD-93E2-E3B085C9AB24}">
+                <p16:designElem xmlns:p16="http://schemas.microsoft.com/office/powerpoint/2015/main" val="1"/>
+              </p:ext>
+            </p:extLst>
+          </p:nvPr>
+        </p:nvSpPr>
+        <p:spPr bwMode="white">
+          <a:xfrm>
+            <a:off x="0" y="0"/>
+            <a:ext cx="4637005" cy="6858000"/>
+          </a:xfrm>
+          <a:custGeom>
+            <a:avLst/>
+            <a:gdLst>
+              <a:gd name="connsiteX0" fmla="*/ 0 w 4637005"/>
+              <a:gd name="connsiteY0" fmla="*/ 0 h 6858000"/>
+              <a:gd name="connsiteX1" fmla="*/ 4637005 w 4637005"/>
+              <a:gd name="connsiteY1" fmla="*/ 0 h 6858000"/>
+              <a:gd name="connsiteX2" fmla="*/ 4637005 w 4637005"/>
+              <a:gd name="connsiteY2" fmla="*/ 1900238 h 6858000"/>
+              <a:gd name="connsiteX3" fmla="*/ 4266589 w 4637005"/>
+              <a:gd name="connsiteY3" fmla="*/ 2178050 h 6858000"/>
+              <a:gd name="connsiteX4" fmla="*/ 4262355 w 4637005"/>
+              <a:gd name="connsiteY4" fmla="*/ 2184400 h 6858000"/>
+              <a:gd name="connsiteX5" fmla="*/ 4256005 w 4637005"/>
+              <a:gd name="connsiteY5" fmla="*/ 2193925 h 6858000"/>
+              <a:gd name="connsiteX6" fmla="*/ 4249655 w 4637005"/>
+              <a:gd name="connsiteY6" fmla="*/ 2201863 h 6858000"/>
+              <a:gd name="connsiteX7" fmla="*/ 4249655 w 4637005"/>
+              <a:gd name="connsiteY7" fmla="*/ 2211388 h 6858000"/>
+              <a:gd name="connsiteX8" fmla="*/ 4249655 w 4637005"/>
+              <a:gd name="connsiteY8" fmla="*/ 2220913 h 6858000"/>
+              <a:gd name="connsiteX9" fmla="*/ 4256005 w 4637005"/>
+              <a:gd name="connsiteY9" fmla="*/ 2228850 h 6858000"/>
+              <a:gd name="connsiteX10" fmla="*/ 4262355 w 4637005"/>
+              <a:gd name="connsiteY10" fmla="*/ 2238375 h 6858000"/>
+              <a:gd name="connsiteX11" fmla="*/ 4266589 w 4637005"/>
+              <a:gd name="connsiteY11" fmla="*/ 2244725 h 6858000"/>
+              <a:gd name="connsiteX12" fmla="*/ 4637005 w 4637005"/>
+              <a:gd name="connsiteY12" fmla="*/ 2522538 h 6858000"/>
+              <a:gd name="connsiteX13" fmla="*/ 4637005 w 4637005"/>
+              <a:gd name="connsiteY13" fmla="*/ 6858000 h 6858000"/>
+              <a:gd name="connsiteX14" fmla="*/ 0 w 4637005"/>
+              <a:gd name="connsiteY14" fmla="*/ 6858000 h 6858000"/>
+            </a:gdLst>
+            <a:ahLst/>
+            <a:cxnLst>
+              <a:cxn ang="0">
+                <a:pos x="connsiteX0" y="connsiteY0"/>
+              </a:cxn>
+              <a:cxn ang="0">
+                <a:pos x="connsiteX1" y="connsiteY1"/>
+              </a:cxn>
+              <a:cxn ang="0">
+                <a:pos x="connsiteX2" y="connsiteY2"/>
+              </a:cxn>
+              <a:cxn ang="0">
+                <a:pos x="connsiteX3" y="connsiteY3"/>
+              </a:cxn>
+              <a:cxn ang="0">
+                <a:pos x="connsiteX4" y="connsiteY4"/>
+              </a:cxn>
+              <a:cxn ang="0">
+                <a:pos x="connsiteX5" y="connsiteY5"/>
+              </a:cxn>
+              <a:cxn ang="0">
+                <a:pos x="connsiteX6" y="connsiteY6"/>
+              </a:cxn>
+              <a:cxn ang="0">
+                <a:pos x="connsiteX7" y="connsiteY7"/>
+              </a:cxn>
+              <a:cxn ang="0">
+                <a:pos x="connsiteX8" y="connsiteY8"/>
+              </a:cxn>
+              <a:cxn ang="0">
+                <a:pos x="connsiteX9" y="connsiteY9"/>
+              </a:cxn>
+              <a:cxn ang="0">
+                <a:pos x="connsiteX10" y="connsiteY10"/>
+              </a:cxn>
+              <a:cxn ang="0">
+                <a:pos x="connsiteX11" y="connsiteY11"/>
+              </a:cxn>
+              <a:cxn ang="0">
+                <a:pos x="connsiteX12" y="connsiteY12"/>
+              </a:cxn>
+              <a:cxn ang="0">
+                <a:pos x="connsiteX13" y="connsiteY13"/>
+              </a:cxn>
+              <a:cxn ang="0">
+                <a:pos x="connsiteX14" y="connsiteY14"/>
+              </a:cxn>
+            </a:cxnLst>
+            <a:rect l="l" t="t" r="r" b="b"/>
+            <a:pathLst>
+              <a:path w="4637005" h="6858000">
+                <a:moveTo>
+                  <a:pt x="0" y="0"/>
+                </a:moveTo>
+                <a:lnTo>
+                  <a:pt x="4637005" y="0"/>
+                </a:lnTo>
+                <a:lnTo>
+                  <a:pt x="4637005" y="1900238"/>
+                </a:lnTo>
+                <a:lnTo>
+                  <a:pt x="4266589" y="2178050"/>
+                </a:lnTo>
+                <a:lnTo>
+                  <a:pt x="4262355" y="2184400"/>
+                </a:lnTo>
+                <a:lnTo>
+                  <a:pt x="4256005" y="2193925"/>
+                </a:lnTo>
+                <a:lnTo>
+                  <a:pt x="4249655" y="2201863"/>
+                </a:lnTo>
+                <a:lnTo>
+                  <a:pt x="4249655" y="2211388"/>
+                </a:lnTo>
+                <a:lnTo>
+                  <a:pt x="4249655" y="2220913"/>
+                </a:lnTo>
+                <a:lnTo>
+                  <a:pt x="4256005" y="2228850"/>
+                </a:lnTo>
+                <a:lnTo>
+                  <a:pt x="4262355" y="2238375"/>
+                </a:lnTo>
+                <a:lnTo>
+                  <a:pt x="4266589" y="2244725"/>
+                </a:lnTo>
+                <a:lnTo>
+                  <a:pt x="4637005" y="2522538"/>
+                </a:lnTo>
+                <a:lnTo>
+                  <a:pt x="4637005" y="6858000"/>
+                </a:lnTo>
+                <a:lnTo>
+                  <a:pt x="0" y="6858000"/>
+                </a:lnTo>
+                <a:close/>
+              </a:path>
+            </a:pathLst>
+          </a:custGeom>
+          <a:solidFill>
+            <a:schemeClr val="bg1">
+              <a:lumMod val="85000"/>
+              <a:lumOff val="15000"/>
+            </a:schemeClr>
+          </a:solidFill>
+          <a:ln>
+            <a:noFill/>
+          </a:ln>
+        </p:spPr>
+        <p:style>
+          <a:lnRef idx="2">
+            <a:schemeClr val="accent1">
+              <a:shade val="50000"/>
+            </a:schemeClr>
+          </a:lnRef>
+          <a:fillRef idx="1">
+            <a:schemeClr val="accent1"/>
+          </a:fillRef>
+          <a:effectRef idx="0">
+            <a:schemeClr val="accent1"/>
+          </a:effectRef>
+          <a:fontRef idx="minor">
+            <a:schemeClr val="lt1"/>
+          </a:fontRef>
+        </p:style>
+        <p:txBody>
+          <a:bodyPr wrap="square" rtlCol="0" anchor="ctr">
+            <a:noAutofit/>
+          </a:bodyPr>
+          <a:lstStyle/>
+          <a:p>
+            <a:pPr algn="ctr"/>
+            <a:endParaRPr lang="en-US"/>
+          </a:p>
+        </p:txBody>
+      </p:sp>
+      <p:sp>
+        <p:nvSpPr>
           <p:cNvPr id="2" name="Title 1">
             <a:extLst>
               <a:ext uri="{FF2B5EF4-FFF2-40B4-BE49-F238E27FC236}">
@@ -5919,22 +6559,24 @@
         </p:nvSpPr>
         <p:spPr>
           <a:xfrm>
-            <a:off x="633831" y="858248"/>
-            <a:ext cx="10571998" cy="970450"/>
+            <a:off x="810001" y="447188"/>
+            <a:ext cx="3413084" cy="1559412"/>
           </a:xfrm>
         </p:spPr>
         <p:txBody>
-          <a:bodyPr/>
-          <a:lstStyle/>
-          <a:p>
-            <a:r>
-              <a:rPr lang="en-US" dirty="0"/>
+          <a:bodyPr>
+            <a:normAutofit/>
+          </a:bodyPr>
+          <a:lstStyle/>
+          <a:p>
+            <a:r>
+              <a:rPr lang="en-US" sz="3200"/>
               <a:t>Methodology Section</a:t>
             </a:r>
             <a:br>
-              <a:rPr lang="en-US" dirty="0"/>
+              <a:rPr lang="en-US" sz="3200"/>
             </a:br>
-            <a:endParaRPr lang="en-US" dirty="0"/>
+            <a:endParaRPr lang="en-US" sz="3200"/>
           </a:p>
         </p:txBody>
       </p:sp>
@@ -5954,38 +6596,161 @@
             <p:ph idx="1"/>
           </p:nvPr>
         </p:nvSpPr>
-        <p:spPr/>
-        <p:txBody>
-          <a:bodyPr/>
+        <p:spPr>
+          <a:xfrm>
+            <a:off x="818713" y="2413000"/>
+            <a:ext cx="3404372" cy="3632200"/>
+          </a:xfrm>
+        </p:spPr>
+        <p:txBody>
+          <a:bodyPr>
+            <a:normAutofit/>
+          </a:bodyPr>
           <a:lstStyle/>
           <a:p>
             <a:pPr marL="0" indent="0">
+              <a:lnSpc>
+                <a:spcPct val="90000"/>
+              </a:lnSpc>
               <a:buNone/>
             </a:pPr>
             <a:r>
-              <a:rPr lang="en-US" b="1" dirty="0"/>
+              <a:rPr lang="en-US" sz="1500" b="1"/>
               <a:t>Clustering Approach:</a:t>
             </a:r>
-            <a:endParaRPr lang="en-US" dirty="0"/>
-          </a:p>
-          <a:p>
-            <a:r>
-              <a:rPr lang="en-US" dirty="0"/>
+            <a:endParaRPr lang="en-US" sz="1500"/>
+          </a:p>
+          <a:p>
+            <a:pPr>
+              <a:lnSpc>
+                <a:spcPct val="90000"/>
+              </a:lnSpc>
+            </a:pPr>
+            <a:r>
+              <a:rPr lang="en-US" sz="1500"/>
               <a:t>To compare the similarities of two cities, we decided to explore neighborhoods, segment them, and group them into clusters to find similar neighborhoods in a big city like New York and Toronto. To be able to do that, we need to cluster data which is a form of unsupervised machine learning: k-means clustering algorithm.</a:t>
             </a:r>
           </a:p>
           <a:p>
-            <a:r>
-              <a:rPr lang="en-US" b="1" dirty="0"/>
+            <a:pPr>
+              <a:lnSpc>
+                <a:spcPct val="90000"/>
+              </a:lnSpc>
+            </a:pPr>
+            <a:r>
+              <a:rPr lang="en-US" sz="1500" b="1"/>
               <a:t>Using K-Means Clustering Approach</a:t>
             </a:r>
-            <a:endParaRPr lang="en-US" dirty="0"/>
-          </a:p>
-          <a:p>
-            <a:endParaRPr lang="en-US" dirty="0"/>
-          </a:p>
-        </p:txBody>
-      </p:sp>
+            <a:endParaRPr lang="en-US" sz="1500"/>
+          </a:p>
+          <a:p>
+            <a:pPr>
+              <a:lnSpc>
+                <a:spcPct val="90000"/>
+              </a:lnSpc>
+            </a:pPr>
+            <a:endParaRPr lang="en-US" sz="1500"/>
+          </a:p>
+        </p:txBody>
+      </p:sp>
+      <p:sp>
+        <p:nvSpPr>
+          <p:cNvPr id="22" name="Rounded Rectangle 17">
+            <a:extLst>
+              <a:ext uri="{FF2B5EF4-FFF2-40B4-BE49-F238E27FC236}">
+                <a16:creationId xmlns:a16="http://schemas.microsoft.com/office/drawing/2014/main" id="{3960A255-5D7F-455B-9869-0536C927E47D}"/>
+              </a:ext>
+              <a:ext uri="{C183D7F6-B498-43B3-948B-1728B52AA6E4}">
+                <adec:decorative xmlns:adec="http://schemas.microsoft.com/office/drawing/2017/decorative" val="1"/>
+              </a:ext>
+            </a:extLst>
+          </p:cNvPr>
+          <p:cNvSpPr>
+            <a:spLocks noGrp="1" noRot="1" noChangeAspect="1" noMove="1" noResize="1" noEditPoints="1" noAdjustHandles="1" noChangeArrowheads="1" noChangeShapeType="1" noTextEdit="1"/>
+          </p:cNvSpPr>
+          <p:nvPr>
+            <p:extLst>
+              <p:ext uri="{386F3935-93C4-4BCD-93E2-E3B085C9AB24}">
+                <p16:designElem xmlns:p16="http://schemas.microsoft.com/office/powerpoint/2015/main" val="1"/>
+              </p:ext>
+            </p:extLst>
+          </p:nvPr>
+        </p:nvSpPr>
+        <p:spPr>
+          <a:xfrm>
+            <a:off x="5278945" y="958640"/>
+            <a:ext cx="6269591" cy="4945244"/>
+          </a:xfrm>
+          <a:prstGeom prst="roundRect">
+            <a:avLst>
+              <a:gd name="adj" fmla="val 3513"/>
+            </a:avLst>
+          </a:prstGeom>
+          <a:solidFill>
+            <a:schemeClr val="tx1"/>
+          </a:solidFill>
+          <a:ln>
+            <a:solidFill>
+              <a:schemeClr val="accent1"/>
+            </a:solidFill>
+          </a:ln>
+          <a:effectLst/>
+        </p:spPr>
+        <p:style>
+          <a:lnRef idx="2">
+            <a:schemeClr val="accent1">
+              <a:shade val="50000"/>
+            </a:schemeClr>
+          </a:lnRef>
+          <a:fillRef idx="1">
+            <a:schemeClr val="accent1"/>
+          </a:fillRef>
+          <a:effectRef idx="0">
+            <a:schemeClr val="accent1"/>
+          </a:effectRef>
+          <a:fontRef idx="minor">
+            <a:schemeClr val="lt1"/>
+          </a:fontRef>
+        </p:style>
+        <p:txBody>
+          <a:bodyPr rtlCol="0" anchor="ctr"/>
+          <a:lstStyle/>
+          <a:p>
+            <a:pPr algn="ctr"/>
+            <a:endParaRPr lang="en-US"/>
+          </a:p>
+        </p:txBody>
+      </p:sp>
+      <p:pic>
+        <p:nvPicPr>
+          <p:cNvPr id="4" name="Picture 3">
+            <a:extLst>
+              <a:ext uri="{FF2B5EF4-FFF2-40B4-BE49-F238E27FC236}">
+                <a16:creationId xmlns:a16="http://schemas.microsoft.com/office/drawing/2014/main" id="{02AA8AFF-E026-44AF-8158-D797AC8EBE04}"/>
+              </a:ext>
+            </a:extLst>
+          </p:cNvPr>
+          <p:cNvPicPr>
+            <a:picLocks noChangeAspect="1"/>
+          </p:cNvPicPr>
+          <p:nvPr/>
+        </p:nvPicPr>
+        <p:blipFill>
+          <a:blip r:embed="rId2"/>
+          <a:stretch>
+            <a:fillRect/>
+          </a:stretch>
+        </p:blipFill>
+        <p:spPr>
+          <a:xfrm>
+            <a:off x="5278945" y="1063689"/>
+            <a:ext cx="6269591" cy="4413379"/>
+          </a:xfrm>
+          <a:prstGeom prst="rect">
+            <a:avLst/>
+          </a:prstGeom>
+        </p:spPr>
+      </p:pic>
     </p:spTree>
     <p:extLst>
       <p:ext uri="{BB962C8B-B14F-4D97-AF65-F5344CB8AC3E}">
@@ -6002,6 +6767,14 @@
 <file path=ppt/slides/slide6.xml><?xml version="1.0" encoding="utf-8"?>
 <p:sld xmlns:a="http://schemas.openxmlformats.org/drawingml/2006/main" xmlns:r="http://schemas.openxmlformats.org/officeDocument/2006/relationships" xmlns:p="http://schemas.openxmlformats.org/presentationml/2006/main">
   <p:cSld>
+    <p:bg>
+      <p:bgPr>
+        <a:solidFill>
+          <a:schemeClr val="bg2"/>
+        </a:solidFill>
+        <a:effectLst/>
+      </p:bgPr>
+    </p:bg>
     <p:spTree>
       <p:nvGrpSpPr>
         <p:cNvPr id="1" name=""/>
@@ -6016,6 +6789,222 @@
           <a:chExt cx="0" cy="0"/>
         </a:xfrm>
       </p:grpSpPr>
+      <p:sp useBgFill="1">
+        <p:nvSpPr>
+          <p:cNvPr id="12" name="Rectangle 7">
+            <a:extLst>
+              <a:ext uri="{FF2B5EF4-FFF2-40B4-BE49-F238E27FC236}">
+                <a16:creationId xmlns:a16="http://schemas.microsoft.com/office/drawing/2014/main" id="{35C44DBB-AD7C-4682-B258-6367305D207B}"/>
+              </a:ext>
+              <a:ext uri="{C183D7F6-B498-43B3-948B-1728B52AA6E4}">
+                <adec:decorative xmlns:adec="http://schemas.microsoft.com/office/drawing/2017/decorative" val="1"/>
+              </a:ext>
+            </a:extLst>
+          </p:cNvPr>
+          <p:cNvSpPr>
+            <a:spLocks noGrp="1" noRot="1" noChangeAspect="1" noMove="1" noResize="1" noEditPoints="1" noAdjustHandles="1" noChangeArrowheads="1" noChangeShapeType="1" noTextEdit="1"/>
+          </p:cNvSpPr>
+          <p:nvPr>
+            <p:extLst>
+              <p:ext uri="{386F3935-93C4-4BCD-93E2-E3B085C9AB24}">
+                <p16:designElem xmlns:p16="http://schemas.microsoft.com/office/powerpoint/2015/main" val="1"/>
+              </p:ext>
+            </p:extLst>
+          </p:nvPr>
+        </p:nvSpPr>
+        <p:spPr>
+          <a:xfrm>
+            <a:off x="0" y="0"/>
+            <a:ext cx="12192000" cy="6858000"/>
+          </a:xfrm>
+          <a:prstGeom prst="rect">
+            <a:avLst/>
+          </a:prstGeom>
+          <a:ln>
+            <a:noFill/>
+          </a:ln>
+        </p:spPr>
+        <p:style>
+          <a:lnRef idx="2">
+            <a:schemeClr val="accent1">
+              <a:shade val="50000"/>
+            </a:schemeClr>
+          </a:lnRef>
+          <a:fillRef idx="1">
+            <a:schemeClr val="accent1"/>
+          </a:fillRef>
+          <a:effectRef idx="0">
+            <a:schemeClr val="accent1"/>
+          </a:effectRef>
+          <a:fontRef idx="minor">
+            <a:schemeClr val="lt1"/>
+          </a:fontRef>
+        </p:style>
+        <p:txBody>
+          <a:bodyPr rtlCol="0" anchor="ctr"/>
+          <a:lstStyle/>
+          <a:p>
+            <a:pPr algn="ctr"/>
+            <a:endParaRPr lang="en-US"/>
+          </a:p>
+        </p:txBody>
+      </p:sp>
+      <p:sp>
+        <p:nvSpPr>
+          <p:cNvPr id="2" name="Title 1">
+            <a:extLst>
+              <a:ext uri="{FF2B5EF4-FFF2-40B4-BE49-F238E27FC236}">
+                <a16:creationId xmlns:a16="http://schemas.microsoft.com/office/drawing/2014/main" id="{57246BE9-D69D-4667-ABDC-79F56BAE50A0}"/>
+              </a:ext>
+            </a:extLst>
+          </p:cNvPr>
+          <p:cNvSpPr>
+            <a:spLocks noGrp="1"/>
+          </p:cNvSpPr>
+          <p:nvPr>
+            <p:ph type="title"/>
+          </p:nvPr>
+        </p:nvSpPr>
+        <p:spPr>
+          <a:xfrm>
+            <a:off x="965200" y="1218476"/>
+            <a:ext cx="3187318" cy="4421050"/>
+          </a:xfrm>
+          <a:effectLst/>
+        </p:spPr>
+        <p:txBody>
+          <a:bodyPr anchor="ctr">
+            <a:normAutofit/>
+          </a:bodyPr>
+          <a:lstStyle/>
+          <a:p>
+            <a:pPr algn="r"/>
+            <a:r>
+              <a:rPr lang="en-US" sz="2200" dirty="0"/>
+              <a:t>Most Common Venues near Neighborhood</a:t>
+            </a:r>
+            <a:r>
+              <a:rPr lang="en-US" sz="2200" b="0" dirty="0"/>
+              <a:t> | Using Clustering</a:t>
+            </a:r>
+            <a:endParaRPr lang="en-US" sz="2200" dirty="0">
+              <a:solidFill>
+                <a:schemeClr val="tx1"/>
+              </a:solidFill>
+            </a:endParaRPr>
+          </a:p>
+        </p:txBody>
+      </p:sp>
+      <p:cxnSp>
+        <p:nvCxnSpPr>
+          <p:cNvPr id="13" name="Straight Connector 9">
+            <a:extLst>
+              <a:ext uri="{FF2B5EF4-FFF2-40B4-BE49-F238E27FC236}">
+                <a16:creationId xmlns:a16="http://schemas.microsoft.com/office/drawing/2014/main" id="{A1CED323-FAF0-4E0B-8717-FC1F468A28FE}"/>
+              </a:ext>
+              <a:ext uri="{C183D7F6-B498-43B3-948B-1728B52AA6E4}">
+                <adec:decorative xmlns:adec="http://schemas.microsoft.com/office/drawing/2017/decorative" val="1"/>
+              </a:ext>
+            </a:extLst>
+          </p:cNvPr>
+          <p:cNvCxnSpPr>
+            <a:cxnSpLocks noGrp="1" noRot="1" noChangeAspect="1" noMove="1" noResize="1" noEditPoints="1" noAdjustHandles="1" noChangeArrowheads="1" noChangeShapeType="1"/>
+          </p:cNvCxnSpPr>
+          <p:nvPr>
+            <p:extLst>
+              <p:ext uri="{386F3935-93C4-4BCD-93E2-E3B085C9AB24}">
+                <p16:designElem xmlns:p16="http://schemas.microsoft.com/office/powerpoint/2015/main" val="1"/>
+              </p:ext>
+            </p:extLst>
+          </p:nvPr>
+        </p:nvCxnSpPr>
+        <p:spPr>
+          <a:xfrm>
+            <a:off x="4649634" y="1696777"/>
+            <a:ext cx="0" cy="3464447"/>
+          </a:xfrm>
+          <a:prstGeom prst="line">
+            <a:avLst/>
+          </a:prstGeom>
+          <a:ln w="22225"/>
+        </p:spPr>
+        <p:style>
+          <a:lnRef idx="1">
+            <a:schemeClr val="accent1"/>
+          </a:lnRef>
+          <a:fillRef idx="0">
+            <a:schemeClr val="accent1"/>
+          </a:fillRef>
+          <a:effectRef idx="0">
+            <a:schemeClr val="accent1"/>
+          </a:effectRef>
+          <a:fontRef idx="minor">
+            <a:schemeClr val="tx1"/>
+          </a:fontRef>
+        </p:style>
+      </p:cxnSp>
+      <p:pic>
+        <p:nvPicPr>
+          <p:cNvPr id="4" name="Content Placeholder 3">
+            <a:extLst>
+              <a:ext uri="{FF2B5EF4-FFF2-40B4-BE49-F238E27FC236}">
+                <a16:creationId xmlns:a16="http://schemas.microsoft.com/office/drawing/2014/main" id="{FDA99ECB-F1D9-418E-91B5-B3AAAA71CEF8}"/>
+              </a:ext>
+            </a:extLst>
+          </p:cNvPr>
+          <p:cNvPicPr>
+            <a:picLocks noGrp="1" noChangeAspect="1"/>
+          </p:cNvPicPr>
+          <p:nvPr>
+            <p:ph idx="1"/>
+          </p:nvPr>
+        </p:nvPicPr>
+        <p:blipFill>
+          <a:blip r:embed="rId2"/>
+          <a:stretch>
+            <a:fillRect/>
+          </a:stretch>
+        </p:blipFill>
+        <p:spPr>
+          <a:xfrm>
+            <a:off x="4360704" y="1642187"/>
+            <a:ext cx="7623110" cy="3573625"/>
+          </a:xfrm>
+          <a:prstGeom prst="rect">
+            <a:avLst/>
+          </a:prstGeom>
+        </p:spPr>
+      </p:pic>
+    </p:spTree>
+    <p:extLst>
+      <p:ext uri="{BB962C8B-B14F-4D97-AF65-F5344CB8AC3E}">
+        <p14:creationId xmlns:p14="http://schemas.microsoft.com/office/powerpoint/2010/main" val="3026859638"/>
+      </p:ext>
+    </p:extLst>
+  </p:cSld>
+  <p:clrMapOvr>
+    <a:masterClrMapping/>
+  </p:clrMapOvr>
+</p:sld>
+</file>
+
+<file path=ppt/slides/slide7.xml><?xml version="1.0" encoding="utf-8"?>
+<p:sld xmlns:a="http://schemas.openxmlformats.org/drawingml/2006/main" xmlns:r="http://schemas.openxmlformats.org/officeDocument/2006/relationships" xmlns:p="http://schemas.openxmlformats.org/presentationml/2006/main">
+  <p:cSld>
+    <p:spTree>
+      <p:nvGrpSpPr>
+        <p:cNvPr id="1" name=""/>
+        <p:cNvGrpSpPr/>
+        <p:nvPr/>
+      </p:nvGrpSpPr>
+      <p:grpSpPr>
+        <a:xfrm>
+          <a:off x="0" y="0"/>
+          <a:ext cx="0" cy="0"/>
+          <a:chOff x="0" y="0"/>
+          <a:chExt cx="0" cy="0"/>
+        </a:xfrm>
+      </p:grpSpPr>
       <p:sp>
         <p:nvSpPr>
           <p:cNvPr id="2" name="Title 1">
@@ -6097,7 +7086,7 @@
 </p:sld>
 </file>
 
-<file path=ppt/slides/slide7.xml><?xml version="1.0" encoding="utf-8"?>
+<file path=ppt/slides/slide8.xml><?xml version="1.0" encoding="utf-8"?>
 <p:sld xmlns:a="http://schemas.openxmlformats.org/drawingml/2006/main" xmlns:r="http://schemas.openxmlformats.org/officeDocument/2006/relationships" xmlns:p="http://schemas.openxmlformats.org/presentationml/2006/main">
   <p:cSld>
     <p:spTree>
@@ -6201,7 +7190,7 @@
 </p:sld>
 </file>
 
-<file path=ppt/slides/slide8.xml><?xml version="1.0" encoding="utf-8"?>
+<file path=ppt/slides/slide9.xml><?xml version="1.0" encoding="utf-8"?>
 <p:sld xmlns:a="http://schemas.openxmlformats.org/drawingml/2006/main" xmlns:r="http://schemas.openxmlformats.org/officeDocument/2006/relationships" xmlns:p="http://schemas.openxmlformats.org/presentationml/2006/main">
   <p:cSld>
     <p:bg>
@@ -6321,7 +7310,7 @@
           <a:effectLst/>
           <a:extLst>
             <a:ext uri="{91240B29-F687-4f45-9708-019B960494DF}">
-              <a14:hiddenLine xmlns="" xmlns:a16="http://schemas.microsoft.com/office/drawing/2014/main" xmlns:p14="http://schemas.microsoft.com/office/powerpoint/2010/main" xmlns:a14="http://schemas.microsoft.com/office/drawing/2010/main" w="9525">
+              <a14:hiddenLine xmlns:a14="http://schemas.microsoft.com/office/drawing/2010/main" xmlns:p14="http://schemas.microsoft.com/office/powerpoint/2010/main" xmlns:a16="http://schemas.microsoft.com/office/drawing/2014/main" xmlns="" w="9525">
                 <a:solidFill>
                   <a:srgbClr val="000000"/>
                 </a:solidFill>
@@ -6555,370 +7544,6 @@
     <p:extLst>
       <p:ext uri="{BB962C8B-B14F-4D97-AF65-F5344CB8AC3E}">
         <p14:creationId xmlns:p14="http://schemas.microsoft.com/office/powerpoint/2010/main" val="3756682454"/>
-      </p:ext>
-    </p:extLst>
-  </p:cSld>
-  <p:clrMapOvr>
-    <a:masterClrMapping/>
-  </p:clrMapOvr>
-</p:sld>
-</file>
-
-<file path=ppt/slides/slide9.xml><?xml version="1.0" encoding="utf-8"?>
-<p:sld xmlns:a="http://schemas.openxmlformats.org/drawingml/2006/main" xmlns:r="http://schemas.openxmlformats.org/officeDocument/2006/relationships" xmlns:p="http://schemas.openxmlformats.org/presentationml/2006/main">
-  <p:cSld>
-    <p:bg>
-      <p:bgPr>
-        <a:solidFill>
-          <a:schemeClr val="bg2"/>
-        </a:solidFill>
-        <a:effectLst/>
-      </p:bgPr>
-    </p:bg>
-    <p:spTree>
-      <p:nvGrpSpPr>
-        <p:cNvPr id="1" name=""/>
-        <p:cNvGrpSpPr/>
-        <p:nvPr/>
-      </p:nvGrpSpPr>
-      <p:grpSpPr>
-        <a:xfrm>
-          <a:off x="0" y="0"/>
-          <a:ext cx="0" cy="0"/>
-          <a:chOff x="0" y="0"/>
-          <a:chExt cx="0" cy="0"/>
-        </a:xfrm>
-      </p:grpSpPr>
-      <p:sp>
-        <p:nvSpPr>
-          <p:cNvPr id="9" name="Freeform 6">
-            <a:extLst>
-              <a:ext uri="{FF2B5EF4-FFF2-40B4-BE49-F238E27FC236}">
-                <a16:creationId xmlns:a16="http://schemas.microsoft.com/office/drawing/2014/main" id="{DAD47858-7A44-47E5-AC94-E528B41D13BB}"/>
-              </a:ext>
-              <a:ext uri="{C183D7F6-B498-43B3-948B-1728B52AA6E4}">
-                <adec:decorative xmlns:adec="http://schemas.microsoft.com/office/drawing/2017/decorative" val="1"/>
-              </a:ext>
-            </a:extLst>
-          </p:cNvPr>
-          <p:cNvSpPr>
-            <a:spLocks noGrp="1" noRot="1" noChangeAspect="1" noMove="1" noResize="1" noEditPoints="1" noAdjustHandles="1" noChangeArrowheads="1" noChangeShapeType="1" noTextEdit="1"/>
-          </p:cNvSpPr>
-          <p:nvPr>
-            <p:extLst>
-              <p:ext uri="{386F3935-93C4-4BCD-93E2-E3B085C9AB24}">
-                <p16:designElem xmlns:p16="http://schemas.microsoft.com/office/powerpoint/2015/main" val="1"/>
-              </p:ext>
-            </p:extLst>
-          </p:nvPr>
-        </p:nvSpPr>
-        <p:spPr bwMode="auto">
-          <a:xfrm>
-            <a:off x="0" y="-3175"/>
-            <a:ext cx="12192000" cy="5203825"/>
-          </a:xfrm>
-          <a:custGeom>
-            <a:avLst/>
-            <a:gdLst/>
-            <a:ahLst/>
-            <a:cxnLst/>
-            <a:rect l="0" t="0" r="r" b="b"/>
-            <a:pathLst>
-              <a:path w="5760" h="3278">
-                <a:moveTo>
-                  <a:pt x="5760" y="0"/>
-                </a:moveTo>
-                <a:lnTo>
-                  <a:pt x="0" y="0"/>
-                </a:lnTo>
-                <a:lnTo>
-                  <a:pt x="0" y="3090"/>
-                </a:lnTo>
-                <a:lnTo>
-                  <a:pt x="943" y="3090"/>
-                </a:lnTo>
-                <a:lnTo>
-                  <a:pt x="1123" y="3270"/>
-                </a:lnTo>
-                <a:lnTo>
-                  <a:pt x="1123" y="3270"/>
-                </a:lnTo>
-                <a:lnTo>
-                  <a:pt x="1127" y="3272"/>
-                </a:lnTo>
-                <a:lnTo>
-                  <a:pt x="1133" y="3275"/>
-                </a:lnTo>
-                <a:lnTo>
-                  <a:pt x="1139" y="3278"/>
-                </a:lnTo>
-                <a:lnTo>
-                  <a:pt x="1144" y="3278"/>
-                </a:lnTo>
-                <a:lnTo>
-                  <a:pt x="1150" y="3278"/>
-                </a:lnTo>
-                <a:lnTo>
-                  <a:pt x="1155" y="3275"/>
-                </a:lnTo>
-                <a:lnTo>
-                  <a:pt x="1161" y="3272"/>
-                </a:lnTo>
-                <a:lnTo>
-                  <a:pt x="1165" y="3270"/>
-                </a:lnTo>
-                <a:lnTo>
-                  <a:pt x="1345" y="3090"/>
-                </a:lnTo>
-                <a:lnTo>
-                  <a:pt x="5760" y="3090"/>
-                </a:lnTo>
-                <a:lnTo>
-                  <a:pt x="5760" y="0"/>
-                </a:lnTo>
-                <a:close/>
-              </a:path>
-            </a:pathLst>
-          </a:custGeom>
-          <a:ln/>
-          <a:effectLst/>
-          <a:extLst>
-            <a:ext uri="{91240B29-F687-4f45-9708-019B960494DF}">
-              <a14:hiddenLine xmlns="" xmlns:a16="http://schemas.microsoft.com/office/drawing/2014/main" xmlns:p14="http://schemas.microsoft.com/office/powerpoint/2010/main" xmlns:a14="http://schemas.microsoft.com/office/drawing/2010/main" w="9525">
-                <a:solidFill>
-                  <a:srgbClr val="000000"/>
-                </a:solidFill>
-                <a:round/>
-                <a:headEnd/>
-                <a:tailEnd/>
-              </a14:hiddenLine>
-            </a:ext>
-          </a:extLst>
-        </p:spPr>
-        <p:style>
-          <a:lnRef idx="1">
-            <a:schemeClr val="accent1"/>
-          </a:lnRef>
-          <a:fillRef idx="3">
-            <a:schemeClr val="accent1"/>
-          </a:fillRef>
-          <a:effectRef idx="2">
-            <a:schemeClr val="accent1"/>
-          </a:effectRef>
-          <a:fontRef idx="minor">
-            <a:schemeClr val="lt1"/>
-          </a:fontRef>
-        </p:style>
-      </p:sp>
-      <p:sp>
-        <p:nvSpPr>
-          <p:cNvPr id="2" name="Title 1">
-            <a:extLst>
-              <a:ext uri="{FF2B5EF4-FFF2-40B4-BE49-F238E27FC236}">
-                <a16:creationId xmlns:a16="http://schemas.microsoft.com/office/drawing/2014/main" id="{07EAA33D-F136-448F-A45F-90B259AC1073}"/>
-              </a:ext>
-            </a:extLst>
-          </p:cNvPr>
-          <p:cNvSpPr>
-            <a:spLocks noGrp="1"/>
-          </p:cNvSpPr>
-          <p:nvPr>
-            <p:ph type="title"/>
-          </p:nvPr>
-        </p:nvSpPr>
-        <p:spPr>
-          <a:xfrm>
-            <a:off x="810002" y="639097"/>
-            <a:ext cx="4961534" cy="3781101"/>
-          </a:xfrm>
-        </p:spPr>
-        <p:txBody>
-          <a:bodyPr vert="horz" lIns="91440" tIns="45720" rIns="91440" bIns="45720" rtlCol="0" anchor="b">
-            <a:normAutofit/>
-          </a:bodyPr>
-          <a:lstStyle/>
-          <a:p>
-            <a:pPr>
-              <a:lnSpc>
-                <a:spcPct val="90000"/>
-              </a:lnSpc>
-            </a:pPr>
-            <a:r>
-              <a:rPr lang="en-US" sz="5000"/>
-              <a:t>3. School Ratings by Clusters in Scarborough</a:t>
-            </a:r>
-            <a:br>
-              <a:rPr lang="en-US" sz="5000"/>
-            </a:br>
-            <a:endParaRPr lang="en-US" sz="5000"/>
-          </a:p>
-        </p:txBody>
-      </p:sp>
-      <p:sp>
-        <p:nvSpPr>
-          <p:cNvPr id="11" name="Rectangle 10">
-            <a:extLst>
-              <a:ext uri="{FF2B5EF4-FFF2-40B4-BE49-F238E27FC236}">
-                <a16:creationId xmlns:a16="http://schemas.microsoft.com/office/drawing/2014/main" id="{70356939-E85F-4AD3-B574-8F8C91A4D1DB}"/>
-              </a:ext>
-              <a:ext uri="{C183D7F6-B498-43B3-948B-1728B52AA6E4}">
-                <adec:decorative xmlns:adec="http://schemas.microsoft.com/office/drawing/2017/decorative" val="1"/>
-              </a:ext>
-            </a:extLst>
-          </p:cNvPr>
-          <p:cNvSpPr>
-            <a:spLocks noGrp="1" noRot="1" noChangeAspect="1" noMove="1" noResize="1" noEditPoints="1" noAdjustHandles="1" noChangeArrowheads="1" noChangeShapeType="1" noTextEdit="1"/>
-          </p:cNvSpPr>
-          <p:nvPr>
-            <p:extLst>
-              <p:ext uri="{386F3935-93C4-4BCD-93E2-E3B085C9AB24}">
-                <p16:designElem xmlns:p16="http://schemas.microsoft.com/office/powerpoint/2015/main" val="1"/>
-              </p:ext>
-            </p:extLst>
-          </p:nvPr>
-        </p:nvSpPr>
-        <p:spPr>
-          <a:xfrm>
-            <a:off x="6100916" y="0"/>
-            <a:ext cx="6091084" cy="6858000"/>
-          </a:xfrm>
-          <a:prstGeom prst="rect">
-            <a:avLst/>
-          </a:prstGeom>
-          <a:solidFill>
-            <a:schemeClr val="tx1"/>
-          </a:solidFill>
-          <a:ln>
-            <a:noFill/>
-          </a:ln>
-        </p:spPr>
-        <p:style>
-          <a:lnRef idx="2">
-            <a:schemeClr val="accent1">
-              <a:shade val="50000"/>
-            </a:schemeClr>
-          </a:lnRef>
-          <a:fillRef idx="1">
-            <a:schemeClr val="accent1"/>
-          </a:fillRef>
-          <a:effectRef idx="0">
-            <a:schemeClr val="accent1"/>
-          </a:effectRef>
-          <a:fontRef idx="minor">
-            <a:schemeClr val="lt1"/>
-          </a:fontRef>
-        </p:style>
-        <p:txBody>
-          <a:bodyPr rtlCol="0" anchor="ctr"/>
-          <a:lstStyle/>
-          <a:p>
-            <a:pPr algn="ctr"/>
-            <a:endParaRPr lang="en-US"/>
-          </a:p>
-        </p:txBody>
-      </p:sp>
-      <p:sp>
-        <p:nvSpPr>
-          <p:cNvPr id="13" name="Rounded Rectangle 14">
-            <a:extLst>
-              <a:ext uri="{FF2B5EF4-FFF2-40B4-BE49-F238E27FC236}">
-                <a16:creationId xmlns:a16="http://schemas.microsoft.com/office/drawing/2014/main" id="{A374A477-3F18-4367-9F4F-41EF328040F6}"/>
-              </a:ext>
-              <a:ext uri="{C183D7F6-B498-43B3-948B-1728B52AA6E4}">
-                <adec:decorative xmlns:adec="http://schemas.microsoft.com/office/drawing/2017/decorative" val="1"/>
-              </a:ext>
-            </a:extLst>
-          </p:cNvPr>
-          <p:cNvSpPr>
-            <a:spLocks noGrp="1" noRot="1" noChangeAspect="1" noMove="1" noResize="1" noEditPoints="1" noAdjustHandles="1" noChangeArrowheads="1" noChangeShapeType="1" noTextEdit="1"/>
-          </p:cNvSpPr>
-          <p:nvPr>
-            <p:extLst>
-              <p:ext uri="{386F3935-93C4-4BCD-93E2-E3B085C9AB24}">
-                <p16:designElem xmlns:p16="http://schemas.microsoft.com/office/powerpoint/2015/main" val="1"/>
-              </p:ext>
-            </p:extLst>
-          </p:nvPr>
-        </p:nvSpPr>
-        <p:spPr>
-          <a:xfrm>
-            <a:off x="6756326" y="958640"/>
-            <a:ext cx="4792210" cy="4945244"/>
-          </a:xfrm>
-          <a:prstGeom prst="roundRect">
-            <a:avLst>
-              <a:gd name="adj" fmla="val 3513"/>
-            </a:avLst>
-          </a:prstGeom>
-          <a:solidFill>
-            <a:schemeClr val="tx1"/>
-          </a:solidFill>
-          <a:ln>
-            <a:solidFill>
-              <a:schemeClr val="accent1"/>
-            </a:solidFill>
-          </a:ln>
-          <a:effectLst/>
-        </p:spPr>
-        <p:style>
-          <a:lnRef idx="2">
-            <a:schemeClr val="accent1">
-              <a:shade val="50000"/>
-            </a:schemeClr>
-          </a:lnRef>
-          <a:fillRef idx="1">
-            <a:schemeClr val="accent1"/>
-          </a:fillRef>
-          <a:effectRef idx="0">
-            <a:schemeClr val="accent1"/>
-          </a:effectRef>
-          <a:fontRef idx="minor">
-            <a:schemeClr val="lt1"/>
-          </a:fontRef>
-        </p:style>
-        <p:txBody>
-          <a:bodyPr rtlCol="0" anchor="ctr"/>
-          <a:lstStyle/>
-          <a:p>
-            <a:pPr algn="ctr"/>
-            <a:endParaRPr lang="en-US"/>
-          </a:p>
-        </p:txBody>
-      </p:sp>
-      <p:pic>
-        <p:nvPicPr>
-          <p:cNvPr id="4" name="Picture 3">
-            <a:extLst>
-              <a:ext uri="{FF2B5EF4-FFF2-40B4-BE49-F238E27FC236}">
-                <a16:creationId xmlns:a16="http://schemas.microsoft.com/office/drawing/2014/main" id="{DE8C6540-02F7-45A1-8405-7A9A8CB76CFD}"/>
-              </a:ext>
-            </a:extLst>
-          </p:cNvPr>
-          <p:cNvPicPr>
-            <a:picLocks noChangeAspect="1"/>
-          </p:cNvPicPr>
-          <p:nvPr/>
-        </p:nvPicPr>
-        <p:blipFill>
-          <a:blip r:embed="rId2"/>
-          <a:stretch>
-            <a:fillRect/>
-          </a:stretch>
-        </p:blipFill>
-        <p:spPr>
-          <a:xfrm>
-            <a:off x="6091085" y="4524"/>
-            <a:ext cx="6091084" cy="6769500"/>
-          </a:xfrm>
-          <a:prstGeom prst="rect">
-            <a:avLst/>
-          </a:prstGeom>
-        </p:spPr>
-      </p:pic>
-    </p:spTree>
-    <p:extLst>
-      <p:ext uri="{BB962C8B-B14F-4D97-AF65-F5344CB8AC3E}">
-        <p14:creationId xmlns:p14="http://schemas.microsoft.com/office/powerpoint/2010/main" val="502208148"/>
       </p:ext>
     </p:extLst>
   </p:cSld>
